--- a/github-metrics/developer_insights_report.pptx
+++ b/github-metrics/developer_insights_report.pptx
@@ -3578,7 +3578,7 @@
           </a:p>
           <a:p>
             <a:r>
-              <a:t>New developers: estherbreath, Immanuelolivia1, princeibs, 0xkyng</a:t>
+              <a:t>New developers: princeibs, 0xkyng, Immanuelolivia1, estherbreath</a:t>
             </a:r>
           </a:p>
         </p:txBody>
